--- a/Milestones/Milestone 3.pptx
+++ b/Milestones/Milestone 3.pptx
@@ -7418,8 +7418,13 @@
           <a:p>
             <a:r>
               <a:rPr lang="en-US" dirty="0"/>
-              <a:t>FEATURE MATCHING pipeline</a:t>
-            </a:r>
+              <a:t>FEATURE MATCHING pipeline using </a:t>
+            </a:r>
+            <a:r>
+              <a:rPr lang="en-US" dirty="0" err="1"/>
+              <a:t>opencv</a:t>
+            </a:r>
+            <a:endParaRPr lang="en-US" dirty="0"/>
           </a:p>
         </p:txBody>
       </p:sp>
@@ -7933,7 +7938,7 @@
             </a:pPr>
             <a:r>
               <a:rPr lang="en-US" sz="3000" b="1" dirty="0"/>
-              <a:t>Description</a:t>
+              <a:t>Description – BRIEF descriptors</a:t>
             </a:r>
             <a:endParaRPr lang="en-US" sz="3000" dirty="0"/>
           </a:p>
